--- a/docs/L15-dhts.pptx
+++ b/docs/L15-dhts.pptx
@@ -11835,11 +11835,7 @@
             </a:r>
             <a:r>
               <a:rPr lang="en-US" i="1" dirty="0" smtClean="0"/>
-              <a:t>Advanced </a:t>
-            </a:r>
-            <a:r>
-              <a:rPr lang="en-US" i="1" smtClean="0"/>
-              <a:t>Computer Systems</a:t>
+              <a:t>Advanced Computer Systems</a:t>
             </a:r>
             <a:endParaRPr lang="en-US" i="1" dirty="0" smtClean="0"/>
           </a:p>
@@ -48120,10 +48116,21 @@
                 <a:ea typeface="Courier" charset="0"/>
                 <a:cs typeface="Courier" charset="0"/>
               </a:rPr>
-              <a:t>put(“Star Wars.mov”, </a:t>
-            </a:r>
-            <a:r>
-              <a:rPr lang="en-US" smtClean="0">
+              <a:t>put</a:t>
+            </a:r>
+            <a:r>
+              <a:rPr lang="en-US" dirty="0" smtClean="0">
+                <a:solidFill>
+                  <a:schemeClr val="tx1"/>
+                </a:solidFill>
+                <a:latin typeface="Courier" charset="0"/>
+                <a:ea typeface="Courier" charset="0"/>
+                <a:cs typeface="Courier" charset="0"/>
+              </a:rPr>
+              <a:t>(“Pacific Rim.mp4”, </a:t>
+            </a:r>
+            <a:r>
+              <a:rPr lang="en-US" dirty="0" smtClean="0">
                 <a:solidFill>
                   <a:schemeClr val="tx1"/>
                 </a:solidFill>
@@ -48219,7 +48226,7 @@
               <a:t>“</a:t>
             </a:r>
             <a:r>
-              <a:rPr lang="en-US" dirty="0">
+              <a:rPr lang="en-US" altLang="ja-JP" dirty="0" smtClean="0">
                 <a:solidFill>
                   <a:prstClr val="black"/>
                 </a:solidFill>
@@ -48227,10 +48234,10 @@
                 <a:ea typeface="Courier" charset="0"/>
                 <a:cs typeface="Courier" charset="0"/>
               </a:rPr>
-              <a:t>Star Wars.mov</a:t>
-            </a:r>
-            <a:r>
-              <a:rPr lang="ja-JP" altLang="en-US" dirty="0">
+              <a:t>Pacific Rim.mp4</a:t>
+            </a:r>
+            <a:r>
+              <a:rPr lang="ja-JP" altLang="en-US" dirty="0" smtClean="0">
                 <a:solidFill>
                   <a:prstClr val="black"/>
                 </a:solidFill>
@@ -51504,7 +51511,7 @@
           <a:lstStyle/>
           <a:p>
             <a:r>
-              <a:rPr lang="en-US" smtClean="0">
+              <a:rPr lang="en-US" dirty="0" err="1" smtClean="0">
                 <a:solidFill>
                   <a:schemeClr val="tx1"/>
                 </a:solidFill>
@@ -51523,18 +51530,7 @@
                 <a:ea typeface="Courier" charset="0"/>
                 <a:cs typeface="Courier" charset="0"/>
               </a:rPr>
-              <a:t>(“</a:t>
-            </a:r>
-            <a:r>
-              <a:rPr lang="en-US" dirty="0">
-                <a:solidFill>
-                  <a:schemeClr val="tx1"/>
-                </a:solidFill>
-                <a:latin typeface="Courier" charset="0"/>
-                <a:ea typeface="Courier" charset="0"/>
-                <a:cs typeface="Courier" charset="0"/>
-              </a:rPr>
-              <a:t>Star Wars.mov”, </a:t>
+              <a:t>(“Pacific Rim.mp4”, </a:t>
             </a:r>
             <a:r>
               <a:rPr lang="en-US" dirty="0" smtClean="0">
@@ -51589,7 +51585,7 @@
         <p:spPr>
           <a:xfrm>
             <a:off x="6052453" y="3405535"/>
-            <a:ext cx="2198345" cy="781230"/>
+            <a:ext cx="2665520" cy="781230"/>
           </a:xfrm>
           <a:prstGeom prst="wedgeRoundRectCallout">
             <a:avLst>
@@ -51633,7 +51629,7 @@
           <a:p>
             <a:pPr lvl="0"/>
             <a:r>
-              <a:rPr lang="en-US" smtClean="0">
+              <a:rPr lang="en-US" dirty="0" smtClean="0">
                 <a:solidFill>
                   <a:prstClr val="black"/>
                 </a:solidFill>
@@ -51657,16 +51653,16 @@
             <a:r>
               <a:rPr lang="en-US" dirty="0">
                 <a:solidFill>
-                  <a:prstClr val="black"/>
+                  <a:schemeClr val="tx1"/>
                 </a:solidFill>
                 <a:latin typeface="Courier" charset="0"/>
                 <a:ea typeface="Courier" charset="0"/>
                 <a:cs typeface="Courier" charset="0"/>
               </a:rPr>
-              <a:t>Star Wars.mov</a:t>
-            </a:r>
-            <a:r>
-              <a:rPr lang="ja-JP" altLang="en-US" dirty="0">
+              <a:t>Pacific Rim.mp4</a:t>
+            </a:r>
+            <a:r>
+              <a:rPr lang="ja-JP" altLang="en-US" dirty="0" smtClean="0">
                 <a:solidFill>
                   <a:prstClr val="black"/>
                 </a:solidFill>
@@ -52111,7 +52107,7 @@
         <p:spPr>
           <a:xfrm>
             <a:off x="977853" y="5232966"/>
-            <a:ext cx="3319422" cy="707886"/>
+            <a:ext cx="3319422" cy="1015663"/>
           </a:xfrm>
           <a:prstGeom prst="rect">
             <a:avLst/>
@@ -52134,7 +52130,39 @@
                 <a:ea typeface="Courier" charset="0"/>
                 <a:cs typeface="Courier" charset="0"/>
               </a:rPr>
-              <a:t>key=“Star Wars.mov”, value=[content]</a:t>
+              <a:t>key</a:t>
+            </a:r>
+            <a:r>
+              <a:rPr lang="en-US" dirty="0" smtClean="0">
+                <a:latin typeface="Courier" charset="0"/>
+                <a:ea typeface="Courier" charset="0"/>
+                <a:cs typeface="Courier" charset="0"/>
+              </a:rPr>
+              <a:t>=“</a:t>
+            </a:r>
+            <a:r>
+              <a:rPr lang="en-US" dirty="0">
+                <a:latin typeface="Courier" charset="0"/>
+                <a:ea typeface="Courier" charset="0"/>
+                <a:cs typeface="Courier" charset="0"/>
+              </a:rPr>
+              <a:t>Pacific Rim.mp4</a:t>
+            </a:r>
+            <a:r>
+              <a:rPr lang="en-US" dirty="0" smtClean="0">
+                <a:latin typeface="Courier" charset="0"/>
+                <a:ea typeface="Courier" charset="0"/>
+                <a:cs typeface="Courier" charset="0"/>
+              </a:rPr>
+              <a:t>”, </a:t>
+            </a:r>
+            <a:r>
+              <a:rPr lang="en-US" dirty="0" smtClean="0">
+                <a:latin typeface="Courier" charset="0"/>
+                <a:ea typeface="Courier" charset="0"/>
+                <a:cs typeface="Courier" charset="0"/>
+              </a:rPr>
+              <a:t>value=[content]</a:t>
             </a:r>
           </a:p>
         </p:txBody>
@@ -55529,8 +55557,8 @@
         </p:nvSpPr>
         <p:spPr>
           <a:xfrm>
-            <a:off x="6774379" y="1426695"/>
-            <a:ext cx="2120801" cy="761682"/>
+            <a:off x="6274893" y="1426695"/>
+            <a:ext cx="2620287" cy="761682"/>
           </a:xfrm>
           <a:prstGeom prst="wedgeRoundRectCallout">
             <a:avLst>
@@ -55574,7 +55602,7 @@
           <a:p>
             <a:pPr lvl="0"/>
             <a:r>
-              <a:rPr lang="en-US" smtClean="0">
+              <a:rPr lang="en-US" dirty="0" smtClean="0">
                 <a:solidFill>
                   <a:prstClr val="black"/>
                 </a:solidFill>
@@ -55598,16 +55626,16 @@
             <a:r>
               <a:rPr lang="en-US" dirty="0">
                 <a:solidFill>
-                  <a:prstClr val="black"/>
+                  <a:schemeClr val="tx1"/>
                 </a:solidFill>
                 <a:latin typeface="Courier" charset="0"/>
                 <a:ea typeface="Courier" charset="0"/>
                 <a:cs typeface="Courier" charset="0"/>
               </a:rPr>
-              <a:t>Star Wars.mov</a:t>
-            </a:r>
-            <a:r>
-              <a:rPr lang="ja-JP" altLang="en-US" dirty="0">
+              <a:t>Pacific Rim.mp4</a:t>
+            </a:r>
+            <a:r>
+              <a:rPr lang="ja-JP" altLang="en-US" dirty="0" smtClean="0">
                 <a:solidFill>
                   <a:prstClr val="black"/>
                 </a:solidFill>
